--- a/XI class/04. Сравнения и логически операции/Conditional-Statements.pptx
+++ b/XI class/04. Сравнения и логически операции/Conditional-Statements.pptx
@@ -112,6 +112,11 @@
       </a:defRPr>
     </a:lvl9pPr>
   </p:defaultTextStyle>
+  <p:extLst>
+    <p:ext uri="{EFAFB233-063F-42B5-8137-9DF3F51BA10A}">
+      <p15:sldGuideLst xmlns:p15="http://schemas.microsoft.com/office/powerpoint/2012/main"/>
+    </p:ext>
+  </p:extLst>
 </p:presentation>
 </file>
 
@@ -266,7 +271,7 @@
           <a:p>
             <a:fld id="{B6D41BCC-AD73-4203-A5A6-E62EB28B0FE6}" type="datetimeFigureOut">
               <a:rPr lang="en-US" smtClean="0"/>
-              <a:t>10/8/2023</a:t>
+              <a:t>10/10/2023</a:t>
             </a:fld>
             <a:endParaRPr lang="en-US"/>
           </a:p>
@@ -474,7 +479,7 @@
           <a:p>
             <a:fld id="{B6D41BCC-AD73-4203-A5A6-E62EB28B0FE6}" type="datetimeFigureOut">
               <a:rPr lang="en-US" smtClean="0"/>
-              <a:t>10/8/2023</a:t>
+              <a:t>10/10/2023</a:t>
             </a:fld>
             <a:endParaRPr lang="en-US"/>
           </a:p>
@@ -682,7 +687,7 @@
           <a:p>
             <a:fld id="{B6D41BCC-AD73-4203-A5A6-E62EB28B0FE6}" type="datetimeFigureOut">
               <a:rPr lang="en-US" smtClean="0"/>
-              <a:t>10/8/2023</a:t>
+              <a:t>10/10/2023</a:t>
             </a:fld>
             <a:endParaRPr lang="en-US"/>
           </a:p>
@@ -880,7 +885,7 @@
           <a:p>
             <a:fld id="{B6D41BCC-AD73-4203-A5A6-E62EB28B0FE6}" type="datetimeFigureOut">
               <a:rPr lang="en-US" smtClean="0"/>
-              <a:t>10/8/2023</a:t>
+              <a:t>10/10/2023</a:t>
             </a:fld>
             <a:endParaRPr lang="en-US"/>
           </a:p>
@@ -1157,7 +1162,7 @@
           <a:p>
             <a:fld id="{B6D41BCC-AD73-4203-A5A6-E62EB28B0FE6}" type="datetimeFigureOut">
               <a:rPr lang="en-US" smtClean="0"/>
-              <a:t>10/8/2023</a:t>
+              <a:t>10/10/2023</a:t>
             </a:fld>
             <a:endParaRPr lang="en-US"/>
           </a:p>
@@ -1427,7 +1432,7 @@
           <a:p>
             <a:fld id="{B6D41BCC-AD73-4203-A5A6-E62EB28B0FE6}" type="datetimeFigureOut">
               <a:rPr lang="en-US" smtClean="0"/>
-              <a:t>10/8/2023</a:t>
+              <a:t>10/10/2023</a:t>
             </a:fld>
             <a:endParaRPr lang="en-US"/>
           </a:p>
@@ -1843,7 +1848,7 @@
           <a:p>
             <a:fld id="{B6D41BCC-AD73-4203-A5A6-E62EB28B0FE6}" type="datetimeFigureOut">
               <a:rPr lang="en-US" smtClean="0"/>
-              <a:t>10/8/2023</a:t>
+              <a:t>10/10/2023</a:t>
             </a:fld>
             <a:endParaRPr lang="en-US"/>
           </a:p>
@@ -1984,7 +1989,7 @@
           <a:p>
             <a:fld id="{B6D41BCC-AD73-4203-A5A6-E62EB28B0FE6}" type="datetimeFigureOut">
               <a:rPr lang="en-US" smtClean="0"/>
-              <a:t>10/8/2023</a:t>
+              <a:t>10/10/2023</a:t>
             </a:fld>
             <a:endParaRPr lang="en-US"/>
           </a:p>
@@ -2097,7 +2102,7 @@
           <a:p>
             <a:fld id="{B6D41BCC-AD73-4203-A5A6-E62EB28B0FE6}" type="datetimeFigureOut">
               <a:rPr lang="en-US" smtClean="0"/>
-              <a:t>10/8/2023</a:t>
+              <a:t>10/10/2023</a:t>
             </a:fld>
             <a:endParaRPr lang="en-US"/>
           </a:p>
@@ -2423,7 +2428,7 @@
           <a:p>
             <a:fld id="{B6D41BCC-AD73-4203-A5A6-E62EB28B0FE6}" type="datetimeFigureOut">
               <a:rPr lang="en-US" smtClean="0"/>
-              <a:t>10/8/2023</a:t>
+              <a:t>10/10/2023</a:t>
             </a:fld>
             <a:endParaRPr lang="en-US"/>
           </a:p>
@@ -2711,7 +2716,7 @@
           <a:p>
             <a:fld id="{B6D41BCC-AD73-4203-A5A6-E62EB28B0FE6}" type="datetimeFigureOut">
               <a:rPr lang="en-US" smtClean="0"/>
-              <a:t>10/8/2023</a:t>
+              <a:t>10/10/2023</a:t>
             </a:fld>
             <a:endParaRPr lang="en-US"/>
           </a:p>
@@ -2951,7 +2956,7 @@
             <a:fld id="{B6D41BCC-AD73-4203-A5A6-E62EB28B0FE6}" type="datetimeFigureOut">
               <a:rPr lang="en-US" smtClean="0"/>
               <a:pPr/>
-              <a:t>10/8/2023</a:t>
+              <a:t>10/10/2023</a:t>
             </a:fld>
             <a:endParaRPr lang="en-US"/>
           </a:p>
@@ -4503,6 +4508,14 @@
               <a:rPr lang="bg-BG" sz="2000" dirty="0"/>
               <a:t>отрицание (не)</a:t>
             </a:r>
+            <a:r>
+              <a:rPr lang="en-GB" sz="2000" dirty="0"/>
+              <a:t> </a:t>
+            </a:r>
+            <a:r>
+              <a:rPr lang="en-GB" sz="2000" b="1" dirty="0"/>
+              <a:t>!</a:t>
+            </a:r>
             <a:endParaRPr lang="en-GB" sz="2000" dirty="0"/>
           </a:p>
         </p:txBody>
